--- a/docs/InitialCoinAllocations.pptx
+++ b/docs/InitialCoinAllocations.pptx
@@ -4048,11 +4048,7 @@
             </a:pPr>
             <a:r>
               <a:rPr lang="en-US" dirty="0" smtClean="0"/>
-              <a:t>Graphic: </a:t>
-            </a:r>
-            <a:r>
-              <a:rPr lang="en-US" dirty="0" smtClean="0"/>
-              <a:t>The </a:t>
+              <a:t>Graphic: The </a:t>
             </a:r>
             <a:r>
               <a:rPr lang="en-US" dirty="0" err="1" smtClean="0"/>
@@ -4078,11 +4074,7 @@
             </a:pPr>
             <a:r>
               <a:rPr lang="en-US" dirty="0" smtClean="0"/>
-              <a:t>Text: </a:t>
-            </a:r>
-            <a:r>
-              <a:rPr lang="en-US" dirty="0" smtClean="0"/>
-              <a:t>Benefits of the Proposal</a:t>
+              <a:t>Text: Benefits of the Proposal</a:t>
             </a:r>
           </a:p>
           <a:p>
@@ -4474,7 +4466,6 @@
               <a:rPr lang="en-US" dirty="0" smtClean="0"/>
               <a:t>.</a:t>
             </a:r>
-            <a:endParaRPr lang="en-US" dirty="0" smtClean="0"/>
           </a:p>
           <a:p>
             <a:r>
@@ -4751,7 +4742,6 @@
               <a:rPr lang="en-US" dirty="0" smtClean="0"/>
               <a:t>”.</a:t>
             </a:r>
-            <a:endParaRPr lang="en-US" dirty="0" smtClean="0"/>
           </a:p>
           <a:p>
             <a:pPr lvl="1"/>
@@ -5899,7 +5889,7 @@
         <p:spPr>
           <a:xfrm>
             <a:off x="1371600" y="6084332"/>
-            <a:ext cx="4267200" cy="457200"/>
+            <a:ext cx="4102579" cy="457200"/>
           </a:xfrm>
           <a:prstGeom prst="rect">
             <a:avLst/>
@@ -5968,8 +5958,8 @@
         </p:nvSpPr>
         <p:spPr>
           <a:xfrm>
-            <a:off x="5638800" y="6084332"/>
-            <a:ext cx="1905000" cy="457200"/>
+            <a:off x="5474179" y="6084332"/>
+            <a:ext cx="2069621" cy="457200"/>
           </a:xfrm>
           <a:prstGeom prst="rect">
             <a:avLst/>
@@ -6822,7 +6812,6 @@
               <a:rPr lang="en-US" dirty="0" smtClean="0"/>
               <a:t> “if everyone else does”.</a:t>
             </a:r>
-            <a:endParaRPr lang="en-US" dirty="0" smtClean="0"/>
           </a:p>
           <a:p>
             <a:pPr marL="514350" indent="-514350">
